--- a/Figures/素材/流程图-复赛.pptx
+++ b/Figures/素材/流程图-复赛.pptx
@@ -7259,7 +7259,7 @@
                 <a:ea typeface="楷体" panose="02010609060101010101" charset="-122"/>
                 <a:cs typeface="Times New Roman" panose="02020603050405020304" charset="0"/>
               </a:rPr>
-              <a:t>图像增强</a:t>
+              <a:t>图像初次增强</a:t>
             </a:r>
             <a:endParaRPr lang="zh-CN" altLang="en-US" sz="2000">
               <a:solidFill>

--- a/Figures/素材/流程图-复赛.pptx
+++ b/Figures/素材/流程图-复赛.pptx
@@ -3815,6 +3815,17 @@
               <a:buFontTx/>
             </a:pPr>
             <a:r>
+              <a:rPr lang="en-US" altLang="zh-CN" sz="2000">
+                <a:solidFill>
+                  <a:schemeClr val="tx1"/>
+                </a:solidFill>
+                <a:latin typeface="Times New Roman" panose="02020603050405020304" charset="0"/>
+                <a:ea typeface="楷体" panose="02010609060101010101" charset="-122"/>
+                <a:sym typeface="+mn-ea"/>
+              </a:rPr>
+              <a:t>[A] </a:t>
+            </a:r>
+            <a:r>
               <a:rPr lang="zh-CN" altLang="en-US" sz="2000">
                 <a:solidFill>
                   <a:schemeClr val="tx1"/>
@@ -3823,7 +3834,7 @@
                 <a:ea typeface="楷体" panose="02010609060101010101" charset="-122"/>
                 <a:sym typeface="+mn-ea"/>
               </a:rPr>
-              <a:t>正常读取，正常预测</a:t>
+              <a:t>读取正常</a:t>
             </a:r>
             <a:endParaRPr lang="zh-CN" altLang="en-US" sz="2000">
               <a:solidFill>
@@ -5312,6 +5323,17 @@
               <a:buFontTx/>
             </a:pPr>
             <a:r>
+              <a:rPr lang="en-US" altLang="zh-CN" sz="2000">
+                <a:solidFill>
+                  <a:schemeClr val="tx1"/>
+                </a:solidFill>
+                <a:latin typeface="Times New Roman" panose="02020603050405020304" charset="0"/>
+                <a:ea typeface="楷体" panose="02010609060101010101" charset="-122"/>
+                <a:sym typeface="+mn-ea"/>
+              </a:rPr>
+              <a:t>[B] </a:t>
+            </a:r>
+            <a:r>
               <a:rPr lang="zh-CN" altLang="en-US" sz="2000">
                 <a:solidFill>
                   <a:schemeClr val="tx1"/>
@@ -5320,7 +5342,36 @@
                 <a:ea typeface="楷体" panose="02010609060101010101" charset="-122"/>
                 <a:sym typeface="+mn-ea"/>
               </a:rPr>
-              <a:t>读取错误，单一处理、预测</a:t>
+              <a:t>读取错误，人为处理</a:t>
+            </a:r>
+            <a:endParaRPr lang="zh-CN" altLang="en-US" sz="2000">
+              <a:solidFill>
+                <a:schemeClr val="tx1"/>
+              </a:solidFill>
+              <a:latin typeface="Times New Roman" panose="02020603050405020304" charset="0"/>
+              <a:ea typeface="楷体" panose="02010609060101010101" charset="-122"/>
+              <a:sym typeface="+mn-ea"/>
+            </a:endParaRPr>
+          </a:p>
+          <a:p>
+            <a:pPr lvl="0" algn="ctr" fontAlgn="auto">
+              <a:lnSpc>
+                <a:spcPct val="100000"/>
+              </a:lnSpc>
+              <a:buClrTx/>
+              <a:buSzTx/>
+              <a:buFontTx/>
+            </a:pPr>
+            <a:r>
+              <a:rPr lang="zh-CN" altLang="en-US" sz="2000">
+                <a:solidFill>
+                  <a:schemeClr val="tx1"/>
+                </a:solidFill>
+                <a:latin typeface="Times New Roman" panose="02020603050405020304" charset="0"/>
+                <a:ea typeface="楷体" panose="02010609060101010101" charset="-122"/>
+                <a:sym typeface="+mn-ea"/>
+              </a:rPr>
+              <a:t>重新读取，直至读取正常</a:t>
             </a:r>
             <a:endParaRPr lang="zh-CN" altLang="en-US" sz="2000">
               <a:solidFill>
